--- a/NBS_IT_FINAL.pptx
+++ b/NBS_IT_FINAL.pptx
@@ -24,15 +24,14 @@
     <p:sldId id="283" r:id="rId18"/>
     <p:sldId id="284" r:id="rId19"/>
     <p:sldId id="285" r:id="rId20"/>
-    <p:sldId id="270" r:id="rId21"/>
-    <p:sldId id="290" r:id="rId22"/>
-    <p:sldId id="291" r:id="rId23"/>
-    <p:sldId id="292" r:id="rId24"/>
-    <p:sldId id="293" r:id="rId25"/>
-    <p:sldId id="287" r:id="rId26"/>
-    <p:sldId id="276" r:id="rId27"/>
-    <p:sldId id="288" r:id="rId28"/>
-    <p:sldId id="277" r:id="rId29"/>
+    <p:sldId id="290" r:id="rId21"/>
+    <p:sldId id="291" r:id="rId22"/>
+    <p:sldId id="292" r:id="rId23"/>
+    <p:sldId id="293" r:id="rId24"/>
+    <p:sldId id="287" r:id="rId25"/>
+    <p:sldId id="276" r:id="rId26"/>
+    <p:sldId id="288" r:id="rId27"/>
+    <p:sldId id="277" r:id="rId28"/>
   </p:sldIdLst>
   <p:sldSz cx="12192000" cy="6858000"/>
   <p:notesSz cx="6858000" cy="9144000"/>
@@ -2598,7 +2597,6 @@
               <a:rPr lang="en-US" dirty="0"/>
               <a:t>(per file) - 195GB</a:t>
             </a:r>
-            <a:endParaRPr lang="en-US" dirty="0"/>
           </a:p>
         </p:txBody>
       </p:sp>
@@ -2927,7 +2925,6 @@
               <a:rPr lang="en-US" dirty="0"/>
               <a:t>Resources are only consumed as needed by your running code.</a:t>
             </a:r>
-            <a:endParaRPr lang="en-US" dirty="0"/>
           </a:p>
         </p:txBody>
       </p:sp>
@@ -3077,7 +3074,6 @@
               <a:rPr lang="en-US" dirty="0"/>
               <a:t> is restful</a:t>
             </a:r>
-            <a:endParaRPr lang="en-US" dirty="0"/>
           </a:p>
         </p:txBody>
       </p:sp>
@@ -3468,7 +3464,15 @@
           <a:p>
             <a:r>
               <a:rPr lang="en-US" dirty="0" smtClean="0"/>
-              <a:t>Architecture for Real Time Chat System</a:t>
+              <a:t>Real </a:t>
+            </a:r>
+            <a:r>
+              <a:rPr lang="en-US" dirty="0" smtClean="0"/>
+              <a:t>Time Chat </a:t>
+            </a:r>
+            <a:r>
+              <a:rPr lang="en-US" dirty="0"/>
+              <a:t>System Architecture</a:t>
             </a:r>
             <a:endParaRPr lang="en-US" dirty="0"/>
           </a:p>
@@ -3619,103 +3623,6 @@
 </file>
 
 <file path=ppt/slides/slide20.xml><?xml version="1.0" encoding="utf-8"?>
-<p:sld xmlns:a="http://schemas.openxmlformats.org/drawingml/2006/main" xmlns:r="http://schemas.openxmlformats.org/officeDocument/2006/relationships" xmlns:p="http://schemas.openxmlformats.org/presentationml/2006/main">
-  <p:cSld>
-    <p:spTree>
-      <p:nvGrpSpPr>
-        <p:cNvPr id="1" name=""/>
-        <p:cNvGrpSpPr/>
-        <p:nvPr/>
-      </p:nvGrpSpPr>
-      <p:grpSpPr>
-        <a:xfrm>
-          <a:off x="0" y="0"/>
-          <a:ext cx="0" cy="0"/>
-          <a:chOff x="0" y="0"/>
-          <a:chExt cx="0" cy="0"/>
-        </a:xfrm>
-      </p:grpSpPr>
-      <p:sp>
-        <p:nvSpPr>
-          <p:cNvPr id="2" name="Title 1"/>
-          <p:cNvSpPr>
-            <a:spLocks noGrp="1"/>
-          </p:cNvSpPr>
-          <p:nvPr>
-            <p:ph type="title"/>
-          </p:nvPr>
-        </p:nvSpPr>
-        <p:spPr/>
-        <p:txBody>
-          <a:bodyPr>
-            <a:normAutofit/>
-          </a:bodyPr>
-          <a:lstStyle/>
-          <a:p>
-            <a:r>
-              <a:rPr lang="en-US" dirty="0"/>
-              <a:t>Azure Service </a:t>
-            </a:r>
-            <a:r>
-              <a:rPr lang="en-US" dirty="0" smtClean="0"/>
-              <a:t>Fabric</a:t>
-            </a:r>
-            <a:endParaRPr lang="en-US" dirty="0"/>
-          </a:p>
-        </p:txBody>
-      </p:sp>
-      <p:sp>
-        <p:nvSpPr>
-          <p:cNvPr id="3" name="Content Placeholder 2"/>
-          <p:cNvSpPr>
-            <a:spLocks noGrp="1"/>
-          </p:cNvSpPr>
-          <p:nvPr>
-            <p:ph idx="1"/>
-          </p:nvPr>
-        </p:nvSpPr>
-        <p:spPr/>
-        <p:txBody>
-          <a:bodyPr/>
-          <a:lstStyle/>
-          <a:p>
-            <a:r>
-              <a:rPr lang="en-US" dirty="0" smtClean="0"/>
-              <a:t>State-full </a:t>
-            </a:r>
-            <a:r>
-              <a:rPr lang="en-US" dirty="0"/>
-              <a:t>&amp; Stateless Reliable </a:t>
-            </a:r>
-            <a:r>
-              <a:rPr lang="en-US" dirty="0" smtClean="0"/>
-              <a:t>Services</a:t>
-            </a:r>
-            <a:endParaRPr lang="en-US" dirty="0"/>
-          </a:p>
-        </p:txBody>
-      </p:sp>
-    </p:spTree>
-    <p:extLst>
-      <p:ext uri="{BB962C8B-B14F-4D97-AF65-F5344CB8AC3E}">
-        <p14:creationId xmlns:p14="http://schemas.microsoft.com/office/powerpoint/2010/main" val="429980037"/>
-      </p:ext>
-    </p:extLst>
-  </p:cSld>
-  <p:clrMapOvr>
-    <a:masterClrMapping/>
-  </p:clrMapOvr>
-  <p:timing>
-    <p:tnLst>
-      <p:par>
-        <p:cTn id="1" dur="indefinite" restart="never" nodeType="tmRoot"/>
-      </p:par>
-    </p:tnLst>
-  </p:timing>
-</p:sld>
-</file>
-
-<file path=ppt/slides/slide21.xml><?xml version="1.0" encoding="utf-8"?>
 <p:sld xmlns:a="http://schemas.openxmlformats.org/drawingml/2006/main" xmlns:r="http://schemas.openxmlformats.org/officeDocument/2006/relationships" xmlns:p="http://schemas.openxmlformats.org/presentationml/2006/main">
   <p:cSld>
     <p:spTree>
@@ -7852,7 +7759,7 @@
 </p:sld>
 </file>
 
-<file path=ppt/slides/slide22.xml><?xml version="1.0" encoding="utf-8"?>
+<file path=ppt/slides/slide21.xml><?xml version="1.0" encoding="utf-8"?>
 <p:sld xmlns:a="http://schemas.openxmlformats.org/drawingml/2006/main" xmlns:r="http://schemas.openxmlformats.org/officeDocument/2006/relationships" xmlns:p="http://schemas.openxmlformats.org/presentationml/2006/main">
   <p:cSld>
     <p:spTree>
@@ -14284,7 +14191,7 @@
 </p:sld>
 </file>
 
-<file path=ppt/slides/slide23.xml><?xml version="1.0" encoding="utf-8"?>
+<file path=ppt/slides/slide22.xml><?xml version="1.0" encoding="utf-8"?>
 <p:sld xmlns:a="http://schemas.openxmlformats.org/drawingml/2006/main" xmlns:r="http://schemas.openxmlformats.org/officeDocument/2006/relationships" xmlns:p="http://schemas.openxmlformats.org/presentationml/2006/main">
   <p:cSld>
     <p:spTree>
@@ -18470,7 +18377,7 @@
 </p:sld>
 </file>
 
-<file path=ppt/slides/slide24.xml><?xml version="1.0" encoding="utf-8"?>
+<file path=ppt/slides/slide23.xml><?xml version="1.0" encoding="utf-8"?>
 <p:sld xmlns:a="http://schemas.openxmlformats.org/drawingml/2006/main" xmlns:r="http://schemas.openxmlformats.org/officeDocument/2006/relationships" xmlns:p="http://schemas.openxmlformats.org/presentationml/2006/main">
   <p:cSld>
     <p:spTree>
@@ -24133,7 +24040,7 @@
 </p:sld>
 </file>
 
-<file path=ppt/slides/slide25.xml><?xml version="1.0" encoding="utf-8"?>
+<file path=ppt/slides/slide24.xml><?xml version="1.0" encoding="utf-8"?>
 <p:sld xmlns:a="http://schemas.openxmlformats.org/drawingml/2006/main" xmlns:r="http://schemas.openxmlformats.org/officeDocument/2006/relationships" xmlns:p="http://schemas.openxmlformats.org/presentationml/2006/main">
   <p:cSld>
     <p:spTree>
@@ -24212,7 +24119,7 @@
 </p:sld>
 </file>
 
-<file path=ppt/slides/slide26.xml><?xml version="1.0" encoding="utf-8"?>
+<file path=ppt/slides/slide25.xml><?xml version="1.0" encoding="utf-8"?>
 <p:sld xmlns:a="http://schemas.openxmlformats.org/drawingml/2006/main" xmlns:r="http://schemas.openxmlformats.org/officeDocument/2006/relationships" xmlns:p="http://schemas.openxmlformats.org/presentationml/2006/main">
   <p:cSld>
     <p:spTree>
@@ -24313,7 +24220,7 @@
 </p:sld>
 </file>
 
-<file path=ppt/slides/slide27.xml><?xml version="1.0" encoding="utf-8"?>
+<file path=ppt/slides/slide26.xml><?xml version="1.0" encoding="utf-8"?>
 <p:sld xmlns:a="http://schemas.openxmlformats.org/drawingml/2006/main" xmlns:r="http://schemas.openxmlformats.org/officeDocument/2006/relationships" xmlns:p="http://schemas.openxmlformats.org/presentationml/2006/main">
   <p:cSld>
     <p:spTree>
@@ -24429,7 +24336,7 @@
 </p:sld>
 </file>
 
-<file path=ppt/slides/slide28.xml><?xml version="1.0" encoding="utf-8"?>
+<file path=ppt/slides/slide27.xml><?xml version="1.0" encoding="utf-8"?>
 <p:sld xmlns:a="http://schemas.openxmlformats.org/drawingml/2006/main" xmlns:r="http://schemas.openxmlformats.org/officeDocument/2006/relationships" xmlns:p="http://schemas.openxmlformats.org/presentationml/2006/main">
   <p:cSld>
     <p:spTree>
